--- a/20151104711_DingKaixuan/毕设材料/开题报告-丁楷轩-20151104711.pptx
+++ b/20151104711_DingKaixuan/毕设材料/开题报告-丁楷轩-20151104711.pptx
@@ -13070,7 +13070,7 @@
         <p:spPr>
           <a:xfrm>
             <a:off x="892810" y="1800225"/>
-            <a:ext cx="10360025" cy="4407535"/>
+            <a:ext cx="10360025" cy="4048125"/>
           </a:xfrm>
           <a:prstGeom prst="rect">
             <a:avLst/>
@@ -13101,7 +13101,7 @@
                 <a:ea typeface="宋体" panose="02010600030101010101" pitchFamily="2" charset="-122"/>
                 <a:cs typeface="宋体" panose="02010600030101010101" pitchFamily="2" charset="-122"/>
               </a:rPr>
-              <a:t>随着科学技术的不断提高，计算机科学日渐成熟，其强大的功能已为人们深刻认识，它已进入人类社会的各个领域并发挥着越来越重要的作用。</a:t>
+              <a:t>毕业设计是衡量我们大学生在大学生活中学的是否扎实，知识是否成体系的重要部分。毕业设计的好坏也直接关乎我们能否毕业，所以，做一个好的毕业设计是大学生至关重要的一个环节。而毕业设计的导师的帮助也是非常重要的，往往导师的一句话就能让学生在受困已久的问题上得到很大的启发，但是由于学生和老师的作息时间的不同，往往不能进行很好的对接，学生就不能很快的得到老师帮助，所以就会导致毕业设计的延期或者不完善。最终有可能就会毕不了业。这么多年的辛苦也就付之流水。</a:t>
             </a:r>
             <a:endParaRPr lang="zh-CN" altLang="en-US" dirty="0" smtClean="0">
               <a:latin typeface="宋体" panose="02010600030101010101" pitchFamily="2" charset="-122"/>
@@ -13121,47 +13121,7 @@
                 <a:ea typeface="宋体" panose="02010600030101010101" pitchFamily="2" charset="-122"/>
                 <a:cs typeface="宋体" panose="02010600030101010101" pitchFamily="2" charset="-122"/>
               </a:rPr>
-              <a:t>    学生信息的管理是学校日常工作中的重要组成成分。高效招生规模的逐渐扩大和认识制度的改革，在校学生人数将不断增加，而学生管理人员则相对减少。加上我国高等学校基层学生管理工作的头绪多，内容杂，管理细，要求高，传统管理办法已基本不适应新形势的要求。在校生的基本信息的管理稍有不慎就会出现错误。</a:t>
-            </a:r>
-            <a:endParaRPr lang="zh-CN" altLang="en-US" dirty="0" smtClean="0">
-              <a:latin typeface="宋体" panose="02010600030101010101" pitchFamily="2" charset="-122"/>
-              <a:ea typeface="宋体" panose="02010600030101010101" pitchFamily="2" charset="-122"/>
-              <a:cs typeface="宋体" panose="02010600030101010101" pitchFamily="2" charset="-122"/>
-            </a:endParaRPr>
-          </a:p>
-          <a:p>
-            <a:pPr algn="l">
-              <a:lnSpc>
-                <a:spcPct val="130000"/>
-              </a:lnSpc>
-            </a:pPr>
-            <a:r>
-              <a:rPr lang="zh-CN" altLang="en-US" dirty="0" smtClean="0">
-                <a:latin typeface="宋体" panose="02010600030101010101" pitchFamily="2" charset="-122"/>
-                <a:ea typeface="宋体" panose="02010600030101010101" pitchFamily="2" charset="-122"/>
-                <a:cs typeface="宋体" panose="02010600030101010101" pitchFamily="2" charset="-122"/>
-              </a:rPr>
-              <a:t>    人类进入信息时代，信息管理的水平越来越成为衡量国家综合实力的重要标志。管理系统是一门综合了管理科学、信息科学、系统科学、行为科学、计算机科学和通信技术的新兴边缘科学。在一个国家里股管理系统的建立，运行和发展水平，标志着这个国家的管理现代化水平和信息化水平。</a:t>
-            </a:r>
-            <a:endParaRPr lang="zh-CN" altLang="en-US" dirty="0" smtClean="0">
-              <a:latin typeface="宋体" panose="02010600030101010101" pitchFamily="2" charset="-122"/>
-              <a:ea typeface="宋体" panose="02010600030101010101" pitchFamily="2" charset="-122"/>
-              <a:cs typeface="宋体" panose="02010600030101010101" pitchFamily="2" charset="-122"/>
-            </a:endParaRPr>
-          </a:p>
-          <a:p>
-            <a:pPr algn="l">
-              <a:lnSpc>
-                <a:spcPct val="130000"/>
-              </a:lnSpc>
-            </a:pPr>
-            <a:r>
-              <a:rPr lang="zh-CN" altLang="en-US" dirty="0" smtClean="0">
-                <a:latin typeface="宋体" panose="02010600030101010101" pitchFamily="2" charset="-122"/>
-                <a:ea typeface="宋体" panose="02010600030101010101" pitchFamily="2" charset="-122"/>
-                <a:cs typeface="宋体" panose="02010600030101010101" pitchFamily="2" charset="-122"/>
-              </a:rPr>
-              <a:t>本系统采用Java web技术，以MySQL数据库为后台数据库，将实现方便、快捷的查询学生基本信息作为基本目标，主要包括以下几个部分：管理员模块、老师模块和学生家长模块三大功能模块,管理员可以进行修改登录密码、年级班级管理、学生信息管理、老师信息管理、意见信息管理</a:t>
+              <a:t>本系统采用Java web技术，以MySQL数据库为后台数据库，将实现方便、快捷的老师与学生毕设的对接作为基本目标，主要包括以下几个部分：管理员模块、老师模块和学生模块三大功能模块。学生登录后可以查看未被分配的导师，并选择导师，可以管理上传的论文，作业；可以留言；教师登录后可以查看自己的学生，可以查看该学生的论文、作业并且可以做出批示、更改和回应留言；管理员登录后可以管理用户的密码，管理用户信息。</a:t>
             </a:r>
             <a:endParaRPr lang="zh-CN" altLang="en-US" dirty="0" smtClean="0">
               <a:latin typeface="宋体" panose="02010600030101010101" pitchFamily="2" charset="-122"/>
@@ -13179,8 +13139,8 @@
         </p:nvSpPr>
         <p:spPr>
           <a:xfrm>
-            <a:off x="2741930" y="798830"/>
-            <a:ext cx="6386195" cy="811530"/>
+            <a:off x="389890" y="942975"/>
+            <a:ext cx="11365865" cy="811530"/>
           </a:xfrm>
           <a:prstGeom prst="rect">
             <a:avLst/>
@@ -13202,7 +13162,7 @@
                 <a:latin typeface="宋体" panose="02010600030101010101" pitchFamily="2" charset="-122"/>
                 <a:ea typeface="宋体" panose="02010600030101010101" pitchFamily="2" charset="-122"/>
               </a:rPr>
-              <a:t>小太阳幼儿园学生管理系统</a:t>
+              <a:t>基于Java web的教师指导毕业设计系统的设计与实现</a:t>
             </a:r>
             <a:endParaRPr lang="zh-CN" altLang="en-US" sz="3600" b="1" dirty="0" smtClean="0">
               <a:latin typeface="宋体" panose="02010600030101010101" pitchFamily="2" charset="-122"/>
